--- a/Clustering Results Word Doc/Mutant2_150_Analysis_K4_2.pptx
+++ b/Clustering Results Word Doc/Mutant2_150_Analysis_K4_2.pptx
@@ -295,7 +295,8 @@
           <a:p>
             <a:fld id="{1AA968C3-1559-43C8-B714-C0DD670EE464}" type="datetimeFigureOut">
               <a:rPr lang="en-US" smtClean="0"/>
-              <a:t>2/10/2015</a:t>
+              <a:pPr/>
+              <a:t>3/10/2015</a:t>
             </a:fld>
             <a:endParaRPr lang="en-US"/>
           </a:p>
@@ -337,6 +338,7 @@
           <a:p>
             <a:fld id="{2685216D-7119-4369-8C45-FE6DE0EF9AB2}" type="slidenum">
               <a:rPr lang="en-US" smtClean="0"/>
+              <a:pPr/>
               <a:t>‹#›</a:t>
             </a:fld>
             <a:endParaRPr lang="en-US"/>
@@ -460,7 +462,8 @@
           <a:p>
             <a:fld id="{1AA968C3-1559-43C8-B714-C0DD670EE464}" type="datetimeFigureOut">
               <a:rPr lang="en-US" smtClean="0"/>
-              <a:t>2/10/2015</a:t>
+              <a:pPr/>
+              <a:t>3/10/2015</a:t>
             </a:fld>
             <a:endParaRPr lang="en-US"/>
           </a:p>
@@ -502,6 +505,7 @@
           <a:p>
             <a:fld id="{2685216D-7119-4369-8C45-FE6DE0EF9AB2}" type="slidenum">
               <a:rPr lang="en-US" smtClean="0"/>
+              <a:pPr/>
               <a:t>‹#›</a:t>
             </a:fld>
             <a:endParaRPr lang="en-US"/>
@@ -635,7 +639,8 @@
           <a:p>
             <a:fld id="{1AA968C3-1559-43C8-B714-C0DD670EE464}" type="datetimeFigureOut">
               <a:rPr lang="en-US" smtClean="0"/>
-              <a:t>2/10/2015</a:t>
+              <a:pPr/>
+              <a:t>3/10/2015</a:t>
             </a:fld>
             <a:endParaRPr lang="en-US"/>
           </a:p>
@@ -677,6 +682,7 @@
           <a:p>
             <a:fld id="{2685216D-7119-4369-8C45-FE6DE0EF9AB2}" type="slidenum">
               <a:rPr lang="en-US" smtClean="0"/>
+              <a:pPr/>
               <a:t>‹#›</a:t>
             </a:fld>
             <a:endParaRPr lang="en-US"/>
@@ -800,7 +806,8 @@
           <a:p>
             <a:fld id="{1AA968C3-1559-43C8-B714-C0DD670EE464}" type="datetimeFigureOut">
               <a:rPr lang="en-US" smtClean="0"/>
-              <a:t>2/10/2015</a:t>
+              <a:pPr/>
+              <a:t>3/10/2015</a:t>
             </a:fld>
             <a:endParaRPr lang="en-US"/>
           </a:p>
@@ -842,6 +849,7 @@
           <a:p>
             <a:fld id="{2685216D-7119-4369-8C45-FE6DE0EF9AB2}" type="slidenum">
               <a:rPr lang="en-US" smtClean="0"/>
+              <a:pPr/>
               <a:t>‹#›</a:t>
             </a:fld>
             <a:endParaRPr lang="en-US"/>
@@ -1041,7 +1049,8 @@
           <a:p>
             <a:fld id="{1AA968C3-1559-43C8-B714-C0DD670EE464}" type="datetimeFigureOut">
               <a:rPr lang="en-US" smtClean="0"/>
-              <a:t>2/10/2015</a:t>
+              <a:pPr/>
+              <a:t>3/10/2015</a:t>
             </a:fld>
             <a:endParaRPr lang="en-US"/>
           </a:p>
@@ -1083,6 +1092,7 @@
           <a:p>
             <a:fld id="{2685216D-7119-4369-8C45-FE6DE0EF9AB2}" type="slidenum">
               <a:rPr lang="en-US" smtClean="0"/>
+              <a:pPr/>
               <a:t>‹#›</a:t>
             </a:fld>
             <a:endParaRPr lang="en-US"/>
@@ -1324,7 +1334,8 @@
           <a:p>
             <a:fld id="{1AA968C3-1559-43C8-B714-C0DD670EE464}" type="datetimeFigureOut">
               <a:rPr lang="en-US" smtClean="0"/>
-              <a:t>2/10/2015</a:t>
+              <a:pPr/>
+              <a:t>3/10/2015</a:t>
             </a:fld>
             <a:endParaRPr lang="en-US"/>
           </a:p>
@@ -1366,6 +1377,7 @@
           <a:p>
             <a:fld id="{2685216D-7119-4369-8C45-FE6DE0EF9AB2}" type="slidenum">
               <a:rPr lang="en-US" smtClean="0"/>
+              <a:pPr/>
               <a:t>‹#›</a:t>
             </a:fld>
             <a:endParaRPr lang="en-US"/>
@@ -1741,7 +1753,8 @@
           <a:p>
             <a:fld id="{1AA968C3-1559-43C8-B714-C0DD670EE464}" type="datetimeFigureOut">
               <a:rPr lang="en-US" smtClean="0"/>
-              <a:t>2/10/2015</a:t>
+              <a:pPr/>
+              <a:t>3/10/2015</a:t>
             </a:fld>
             <a:endParaRPr lang="en-US"/>
           </a:p>
@@ -1783,6 +1796,7 @@
           <a:p>
             <a:fld id="{2685216D-7119-4369-8C45-FE6DE0EF9AB2}" type="slidenum">
               <a:rPr lang="en-US" smtClean="0"/>
+              <a:pPr/>
               <a:t>‹#›</a:t>
             </a:fld>
             <a:endParaRPr lang="en-US"/>
@@ -1854,7 +1868,8 @@
           <a:p>
             <a:fld id="{1AA968C3-1559-43C8-B714-C0DD670EE464}" type="datetimeFigureOut">
               <a:rPr lang="en-US" smtClean="0"/>
-              <a:t>2/10/2015</a:t>
+              <a:pPr/>
+              <a:t>3/10/2015</a:t>
             </a:fld>
             <a:endParaRPr lang="en-US"/>
           </a:p>
@@ -1896,6 +1911,7 @@
           <a:p>
             <a:fld id="{2685216D-7119-4369-8C45-FE6DE0EF9AB2}" type="slidenum">
               <a:rPr lang="en-US" smtClean="0"/>
+              <a:pPr/>
               <a:t>‹#›</a:t>
             </a:fld>
             <a:endParaRPr lang="en-US"/>
@@ -1944,7 +1960,8 @@
           <a:p>
             <a:fld id="{1AA968C3-1559-43C8-B714-C0DD670EE464}" type="datetimeFigureOut">
               <a:rPr lang="en-US" smtClean="0"/>
-              <a:t>2/10/2015</a:t>
+              <a:pPr/>
+              <a:t>3/10/2015</a:t>
             </a:fld>
             <a:endParaRPr lang="en-US"/>
           </a:p>
@@ -1986,6 +2003,7 @@
           <a:p>
             <a:fld id="{2685216D-7119-4369-8C45-FE6DE0EF9AB2}" type="slidenum">
               <a:rPr lang="en-US" smtClean="0"/>
+              <a:pPr/>
               <a:t>‹#›</a:t>
             </a:fld>
             <a:endParaRPr lang="en-US"/>
@@ -2216,7 +2234,8 @@
           <a:p>
             <a:fld id="{1AA968C3-1559-43C8-B714-C0DD670EE464}" type="datetimeFigureOut">
               <a:rPr lang="en-US" smtClean="0"/>
-              <a:t>2/10/2015</a:t>
+              <a:pPr/>
+              <a:t>3/10/2015</a:t>
             </a:fld>
             <a:endParaRPr lang="en-US"/>
           </a:p>
@@ -2258,6 +2277,7 @@
           <a:p>
             <a:fld id="{2685216D-7119-4369-8C45-FE6DE0EF9AB2}" type="slidenum">
               <a:rPr lang="en-US" smtClean="0"/>
+              <a:pPr/>
               <a:t>‹#›</a:t>
             </a:fld>
             <a:endParaRPr lang="en-US"/>
@@ -2464,7 +2484,8 @@
           <a:p>
             <a:fld id="{1AA968C3-1559-43C8-B714-C0DD670EE464}" type="datetimeFigureOut">
               <a:rPr lang="en-US" smtClean="0"/>
-              <a:t>2/10/2015</a:t>
+              <a:pPr/>
+              <a:t>3/10/2015</a:t>
             </a:fld>
             <a:endParaRPr lang="en-US"/>
           </a:p>
@@ -2506,6 +2527,7 @@
           <a:p>
             <a:fld id="{2685216D-7119-4369-8C45-FE6DE0EF9AB2}" type="slidenum">
               <a:rPr lang="en-US" smtClean="0"/>
+              <a:pPr/>
               <a:t>‹#›</a:t>
             </a:fld>
             <a:endParaRPr lang="en-US"/>
@@ -2672,7 +2694,8 @@
           <a:p>
             <a:fld id="{1AA968C3-1559-43C8-B714-C0DD670EE464}" type="datetimeFigureOut">
               <a:rPr lang="en-US" smtClean="0"/>
-              <a:t>2/10/2015</a:t>
+              <a:pPr/>
+              <a:t>3/10/2015</a:t>
             </a:fld>
             <a:endParaRPr lang="en-US"/>
           </a:p>
@@ -2750,6 +2773,7 @@
           <a:p>
             <a:fld id="{2685216D-7119-4369-8C45-FE6DE0EF9AB2}" type="slidenum">
               <a:rPr lang="en-US" smtClean="0"/>
+              <a:pPr/>
               <a:t>‹#›</a:t>
             </a:fld>
             <a:endParaRPr lang="en-US"/>
@@ -3141,44 +3165,6 @@
           <a:effectLst/>
         </p:spPr>
       </p:pic>
-      <p:sp>
-        <p:nvSpPr>
-          <p:cNvPr id="7" name="TextBox 6"/>
-          <p:cNvSpPr txBox="1"/>
-          <p:nvPr/>
-        </p:nvSpPr>
-        <p:spPr>
-          <a:xfrm>
-            <a:off x="-304800" y="0"/>
-            <a:ext cx="9144000" cy="400110"/>
-          </a:xfrm>
-          <a:prstGeom prst="rect">
-            <a:avLst/>
-          </a:prstGeom>
-          <a:noFill/>
-        </p:spPr>
-        <p:txBody>
-          <a:bodyPr wrap="square" rtlCol="0">
-            <a:spAutoFit/>
-          </a:bodyPr>
-          <a:lstStyle/>
-          <a:p>
-            <a:r>
-              <a:rPr lang="en-US" sz="2000" dirty="0" smtClean="0"/>
-              <a:t>       CD11c  CD25  CD31  CD205  Claud5  Claud34  Foxp3  K5  K14  </a:t>
-            </a:r>
-            <a:r>
-              <a:rPr lang="en-US" sz="2000" dirty="0" err="1" smtClean="0"/>
-              <a:t>PDGFRb</a:t>
-            </a:r>
-            <a:r>
-              <a:rPr lang="en-US" sz="2000" dirty="0" smtClean="0"/>
-              <a:t>  UEA1</a:t>
-            </a:r>
-            <a:endParaRPr lang="en-US" sz="2000" dirty="0"/>
-          </a:p>
-        </p:txBody>
-      </p:sp>
       <p:pic>
         <p:nvPicPr>
           <p:cNvPr id="1029" name="Picture 5"/>
@@ -3278,6 +3264,52 @@
           <a:effectLst/>
         </p:spPr>
       </p:pic>
+      <p:sp>
+        <p:nvSpPr>
+          <p:cNvPr id="10" name="TextBox 9"/>
+          <p:cNvSpPr txBox="1"/>
+          <p:nvPr/>
+        </p:nvSpPr>
+        <p:spPr>
+          <a:xfrm>
+            <a:off x="0" y="6412468"/>
+            <a:ext cx="8979831" cy="369332"/>
+          </a:xfrm>
+          <a:prstGeom prst="rect">
+            <a:avLst/>
+          </a:prstGeom>
+          <a:noFill/>
+        </p:spPr>
+        <p:txBody>
+          <a:bodyPr wrap="none" rtlCol="0">
+            <a:spAutoFit/>
+          </a:bodyPr>
+          <a:lstStyle/>
+          <a:p>
+            <a:r>
+              <a:rPr lang="en-US" dirty="0" smtClean="0"/>
+              <a:t>CD11c     CD205     </a:t>
+            </a:r>
+            <a:r>
+              <a:rPr lang="en-US" dirty="0" smtClean="0"/>
+              <a:t>CD25     CD31      </a:t>
+            </a:r>
+            <a:r>
+              <a:rPr lang="en-US" dirty="0" smtClean="0"/>
+              <a:t>Claud34    Claud5     Foxp3     K14      K5      </a:t>
+            </a:r>
+            <a:r>
+              <a:rPr lang="en-US" dirty="0" err="1" smtClean="0"/>
+              <a:t>PDGFRb</a:t>
+            </a:r>
+            <a:r>
+              <a:rPr lang="en-US" dirty="0" smtClean="0"/>
+              <a:t>      UEA1</a:t>
+            </a:r>
+            <a:endParaRPr lang="en-US" dirty="0"/>
+          </a:p>
+        </p:txBody>
+      </p:sp>
     </p:spTree>
   </p:cSld>
   <p:clrMapOvr>
@@ -3402,44 +3434,6 @@
           <a:effectLst/>
         </p:spPr>
       </p:pic>
-      <p:sp>
-        <p:nvSpPr>
-          <p:cNvPr id="7" name="TextBox 6"/>
-          <p:cNvSpPr txBox="1"/>
-          <p:nvPr/>
-        </p:nvSpPr>
-        <p:spPr>
-          <a:xfrm>
-            <a:off x="-304800" y="0"/>
-            <a:ext cx="9144000" cy="400110"/>
-          </a:xfrm>
-          <a:prstGeom prst="rect">
-            <a:avLst/>
-          </a:prstGeom>
-          <a:noFill/>
-        </p:spPr>
-        <p:txBody>
-          <a:bodyPr wrap="square" rtlCol="0">
-            <a:spAutoFit/>
-          </a:bodyPr>
-          <a:lstStyle/>
-          <a:p>
-            <a:r>
-              <a:rPr lang="en-US" sz="2000" dirty="0" smtClean="0"/>
-              <a:t>       CD11c  CD25  CD31  CD205  Claud5  Claud34  Foxp3  K5  K14  </a:t>
-            </a:r>
-            <a:r>
-              <a:rPr lang="en-US" sz="2000" dirty="0" err="1" smtClean="0"/>
-              <a:t>PDGFRb</a:t>
-            </a:r>
-            <a:r>
-              <a:rPr lang="en-US" sz="2000" dirty="0" smtClean="0"/>
-              <a:t>  UEA1</a:t>
-            </a:r>
-            <a:endParaRPr lang="en-US" sz="2000" dirty="0"/>
-          </a:p>
-        </p:txBody>
-      </p:sp>
       <p:pic>
         <p:nvPicPr>
           <p:cNvPr id="1029" name="Picture 5"/>
@@ -3539,6 +3533,52 @@
           <a:effectLst/>
         </p:spPr>
       </p:pic>
+      <p:sp>
+        <p:nvSpPr>
+          <p:cNvPr id="11" name="TextBox 10"/>
+          <p:cNvSpPr txBox="1"/>
+          <p:nvPr/>
+        </p:nvSpPr>
+        <p:spPr>
+          <a:xfrm>
+            <a:off x="0" y="6412468"/>
+            <a:ext cx="8979831" cy="369332"/>
+          </a:xfrm>
+          <a:prstGeom prst="rect">
+            <a:avLst/>
+          </a:prstGeom>
+          <a:noFill/>
+        </p:spPr>
+        <p:txBody>
+          <a:bodyPr wrap="none" rtlCol="0">
+            <a:spAutoFit/>
+          </a:bodyPr>
+          <a:lstStyle/>
+          <a:p>
+            <a:r>
+              <a:rPr lang="en-US" dirty="0" smtClean="0"/>
+              <a:t>CD11c     CD205     </a:t>
+            </a:r>
+            <a:r>
+              <a:rPr lang="en-US" dirty="0" smtClean="0"/>
+              <a:t>CD25     CD31      </a:t>
+            </a:r>
+            <a:r>
+              <a:rPr lang="en-US" dirty="0" smtClean="0"/>
+              <a:t>Claud34    Claud5     Foxp3     K14      K5      </a:t>
+            </a:r>
+            <a:r>
+              <a:rPr lang="en-US" dirty="0" err="1" smtClean="0"/>
+              <a:t>PDGFRb</a:t>
+            </a:r>
+            <a:r>
+              <a:rPr lang="en-US" dirty="0" smtClean="0"/>
+              <a:t>      UEA1</a:t>
+            </a:r>
+            <a:endParaRPr lang="en-US" dirty="0"/>
+          </a:p>
+        </p:txBody>
+      </p:sp>
     </p:spTree>
   </p:cSld>
   <p:clrMapOvr>
@@ -3663,44 +3703,6 @@
           <a:effectLst/>
         </p:spPr>
       </p:pic>
-      <p:sp>
-        <p:nvSpPr>
-          <p:cNvPr id="7" name="TextBox 6"/>
-          <p:cNvSpPr txBox="1"/>
-          <p:nvPr/>
-        </p:nvSpPr>
-        <p:spPr>
-          <a:xfrm>
-            <a:off x="-304800" y="0"/>
-            <a:ext cx="9144000" cy="400110"/>
-          </a:xfrm>
-          <a:prstGeom prst="rect">
-            <a:avLst/>
-          </a:prstGeom>
-          <a:noFill/>
-        </p:spPr>
-        <p:txBody>
-          <a:bodyPr wrap="square" rtlCol="0">
-            <a:spAutoFit/>
-          </a:bodyPr>
-          <a:lstStyle/>
-          <a:p>
-            <a:r>
-              <a:rPr lang="en-US" sz="2000" dirty="0" smtClean="0"/>
-              <a:t>       CD11c  CD25  CD31  CD205  Claud5  Claud34  Foxp3  K5  K14  </a:t>
-            </a:r>
-            <a:r>
-              <a:rPr lang="en-US" sz="2000" dirty="0" err="1" smtClean="0"/>
-              <a:t>PDGFRb</a:t>
-            </a:r>
-            <a:r>
-              <a:rPr lang="en-US" sz="2000" dirty="0" smtClean="0"/>
-              <a:t>  UEA1</a:t>
-            </a:r>
-            <a:endParaRPr lang="en-US" sz="2000" dirty="0"/>
-          </a:p>
-        </p:txBody>
-      </p:sp>
       <p:pic>
         <p:nvPicPr>
           <p:cNvPr id="1029" name="Picture 5"/>
@@ -3800,6 +3802,52 @@
           <a:effectLst/>
         </p:spPr>
       </p:pic>
+      <p:sp>
+        <p:nvSpPr>
+          <p:cNvPr id="10" name="TextBox 9"/>
+          <p:cNvSpPr txBox="1"/>
+          <p:nvPr/>
+        </p:nvSpPr>
+        <p:spPr>
+          <a:xfrm>
+            <a:off x="0" y="6412468"/>
+            <a:ext cx="8979831" cy="369332"/>
+          </a:xfrm>
+          <a:prstGeom prst="rect">
+            <a:avLst/>
+          </a:prstGeom>
+          <a:noFill/>
+        </p:spPr>
+        <p:txBody>
+          <a:bodyPr wrap="none" rtlCol="0">
+            <a:spAutoFit/>
+          </a:bodyPr>
+          <a:lstStyle/>
+          <a:p>
+            <a:r>
+              <a:rPr lang="en-US" dirty="0" smtClean="0"/>
+              <a:t>CD11c     CD205     </a:t>
+            </a:r>
+            <a:r>
+              <a:rPr lang="en-US" dirty="0" smtClean="0"/>
+              <a:t>CD25     CD31      </a:t>
+            </a:r>
+            <a:r>
+              <a:rPr lang="en-US" dirty="0" smtClean="0"/>
+              <a:t>Claud34    Claud5     Foxp3     K14      K5      </a:t>
+            </a:r>
+            <a:r>
+              <a:rPr lang="en-US" dirty="0" err="1" smtClean="0"/>
+              <a:t>PDGFRb</a:t>
+            </a:r>
+            <a:r>
+              <a:rPr lang="en-US" dirty="0" smtClean="0"/>
+              <a:t>      UEA1</a:t>
+            </a:r>
+            <a:endParaRPr lang="en-US" dirty="0"/>
+          </a:p>
+        </p:txBody>
+      </p:sp>
     </p:spTree>
   </p:cSld>
   <p:clrMapOvr>
@@ -3924,44 +3972,6 @@
           <a:effectLst/>
         </p:spPr>
       </p:pic>
-      <p:sp>
-        <p:nvSpPr>
-          <p:cNvPr id="7" name="TextBox 6"/>
-          <p:cNvSpPr txBox="1"/>
-          <p:nvPr/>
-        </p:nvSpPr>
-        <p:spPr>
-          <a:xfrm>
-            <a:off x="-304800" y="0"/>
-            <a:ext cx="9144000" cy="400110"/>
-          </a:xfrm>
-          <a:prstGeom prst="rect">
-            <a:avLst/>
-          </a:prstGeom>
-          <a:noFill/>
-        </p:spPr>
-        <p:txBody>
-          <a:bodyPr wrap="square" rtlCol="0">
-            <a:spAutoFit/>
-          </a:bodyPr>
-          <a:lstStyle/>
-          <a:p>
-            <a:r>
-              <a:rPr lang="en-US" sz="2000" dirty="0" smtClean="0"/>
-              <a:t>       CD11c  CD25  CD31  CD205  Claud5  Claud34  Foxp3  K5  K14  </a:t>
-            </a:r>
-            <a:r>
-              <a:rPr lang="en-US" sz="2000" dirty="0" err="1" smtClean="0"/>
-              <a:t>PDGFRb</a:t>
-            </a:r>
-            <a:r>
-              <a:rPr lang="en-US" sz="2000" dirty="0" smtClean="0"/>
-              <a:t>  UEA1</a:t>
-            </a:r>
-            <a:endParaRPr lang="en-US" sz="2000" dirty="0"/>
-          </a:p>
-        </p:txBody>
-      </p:sp>
       <p:pic>
         <p:nvPicPr>
           <p:cNvPr id="1029" name="Picture 5"/>
@@ -4061,6 +4071,52 @@
           <a:effectLst/>
         </p:spPr>
       </p:pic>
+      <p:sp>
+        <p:nvSpPr>
+          <p:cNvPr id="10" name="TextBox 9"/>
+          <p:cNvSpPr txBox="1"/>
+          <p:nvPr/>
+        </p:nvSpPr>
+        <p:spPr>
+          <a:xfrm>
+            <a:off x="0" y="6412468"/>
+            <a:ext cx="8979831" cy="369332"/>
+          </a:xfrm>
+          <a:prstGeom prst="rect">
+            <a:avLst/>
+          </a:prstGeom>
+          <a:noFill/>
+        </p:spPr>
+        <p:txBody>
+          <a:bodyPr wrap="none" rtlCol="0">
+            <a:spAutoFit/>
+          </a:bodyPr>
+          <a:lstStyle/>
+          <a:p>
+            <a:r>
+              <a:rPr lang="en-US" dirty="0" smtClean="0"/>
+              <a:t>CD11c     CD205     </a:t>
+            </a:r>
+            <a:r>
+              <a:rPr lang="en-US" dirty="0" smtClean="0"/>
+              <a:t>CD25     CD31      </a:t>
+            </a:r>
+            <a:r>
+              <a:rPr lang="en-US" dirty="0" smtClean="0"/>
+              <a:t>Claud34    Claud5     Foxp3     K14      K5      </a:t>
+            </a:r>
+            <a:r>
+              <a:rPr lang="en-US" dirty="0" err="1" smtClean="0"/>
+              <a:t>PDGFRb</a:t>
+            </a:r>
+            <a:r>
+              <a:rPr lang="en-US" dirty="0" smtClean="0"/>
+              <a:t>      UEA1</a:t>
+            </a:r>
+            <a:endParaRPr lang="en-US" dirty="0"/>
+          </a:p>
+        </p:txBody>
+      </p:sp>
     </p:spTree>
   </p:cSld>
   <p:clrMapOvr>
@@ -4185,44 +4241,6 @@
           <a:effectLst/>
         </p:spPr>
       </p:pic>
-      <p:sp>
-        <p:nvSpPr>
-          <p:cNvPr id="5" name="TextBox 4"/>
-          <p:cNvSpPr txBox="1"/>
-          <p:nvPr/>
-        </p:nvSpPr>
-        <p:spPr>
-          <a:xfrm>
-            <a:off x="-304800" y="0"/>
-            <a:ext cx="9144000" cy="400110"/>
-          </a:xfrm>
-          <a:prstGeom prst="rect">
-            <a:avLst/>
-          </a:prstGeom>
-          <a:noFill/>
-        </p:spPr>
-        <p:txBody>
-          <a:bodyPr wrap="square" rtlCol="0">
-            <a:spAutoFit/>
-          </a:bodyPr>
-          <a:lstStyle/>
-          <a:p>
-            <a:r>
-              <a:rPr lang="en-US" sz="2000" dirty="0" smtClean="0"/>
-              <a:t>       CD11c  CD25  CD31  CD205  Claud5  Claud34  Foxp3  K5  K14  </a:t>
-            </a:r>
-            <a:r>
-              <a:rPr lang="en-US" sz="2000" dirty="0" err="1" smtClean="0"/>
-              <a:t>PDGFRb</a:t>
-            </a:r>
-            <a:r>
-              <a:rPr lang="en-US" sz="2000" dirty="0" smtClean="0"/>
-              <a:t>  UEA1</a:t>
-            </a:r>
-            <a:endParaRPr lang="en-US" sz="2000" dirty="0"/>
-          </a:p>
-        </p:txBody>
-      </p:sp>
       <p:pic>
         <p:nvPicPr>
           <p:cNvPr id="5122" name="Picture 2"/>
@@ -4322,6 +4340,52 @@
           <a:effectLst/>
         </p:spPr>
       </p:pic>
+      <p:sp>
+        <p:nvSpPr>
+          <p:cNvPr id="10" name="TextBox 9"/>
+          <p:cNvSpPr txBox="1"/>
+          <p:nvPr/>
+        </p:nvSpPr>
+        <p:spPr>
+          <a:xfrm>
+            <a:off x="0" y="6412468"/>
+            <a:ext cx="8979831" cy="369332"/>
+          </a:xfrm>
+          <a:prstGeom prst="rect">
+            <a:avLst/>
+          </a:prstGeom>
+          <a:noFill/>
+        </p:spPr>
+        <p:txBody>
+          <a:bodyPr wrap="none" rtlCol="0">
+            <a:spAutoFit/>
+          </a:bodyPr>
+          <a:lstStyle/>
+          <a:p>
+            <a:r>
+              <a:rPr lang="en-US" dirty="0" smtClean="0"/>
+              <a:t>CD11c     CD205     </a:t>
+            </a:r>
+            <a:r>
+              <a:rPr lang="en-US" dirty="0" smtClean="0"/>
+              <a:t>CD25     CD31      </a:t>
+            </a:r>
+            <a:r>
+              <a:rPr lang="en-US" dirty="0" smtClean="0"/>
+              <a:t>Claud34    Claud5     Foxp3     K14      K5      </a:t>
+            </a:r>
+            <a:r>
+              <a:rPr lang="en-US" dirty="0" err="1" smtClean="0"/>
+              <a:t>PDGFRb</a:t>
+            </a:r>
+            <a:r>
+              <a:rPr lang="en-US" dirty="0" smtClean="0"/>
+              <a:t>      UEA1</a:t>
+            </a:r>
+            <a:endParaRPr lang="en-US" dirty="0"/>
+          </a:p>
+        </p:txBody>
+      </p:sp>
     </p:spTree>
   </p:cSld>
   <p:clrMapOvr>
@@ -4446,44 +4510,6 @@
           <a:effectLst/>
         </p:spPr>
       </p:pic>
-      <p:sp>
-        <p:nvSpPr>
-          <p:cNvPr id="5" name="TextBox 4"/>
-          <p:cNvSpPr txBox="1"/>
-          <p:nvPr/>
-        </p:nvSpPr>
-        <p:spPr>
-          <a:xfrm>
-            <a:off x="-304800" y="0"/>
-            <a:ext cx="9144000" cy="400110"/>
-          </a:xfrm>
-          <a:prstGeom prst="rect">
-            <a:avLst/>
-          </a:prstGeom>
-          <a:noFill/>
-        </p:spPr>
-        <p:txBody>
-          <a:bodyPr wrap="square" rtlCol="0">
-            <a:spAutoFit/>
-          </a:bodyPr>
-          <a:lstStyle/>
-          <a:p>
-            <a:r>
-              <a:rPr lang="en-US" sz="2000" dirty="0" smtClean="0"/>
-              <a:t>       CD11c  CD25  CD31  CD205  Claud5  Claud34  Foxp3  K5  K14  </a:t>
-            </a:r>
-            <a:r>
-              <a:rPr lang="en-US" sz="2000" dirty="0" err="1" smtClean="0"/>
-              <a:t>PDGFRb</a:t>
-            </a:r>
-            <a:r>
-              <a:rPr lang="en-US" sz="2000" dirty="0" smtClean="0"/>
-              <a:t>  UEA1</a:t>
-            </a:r>
-            <a:endParaRPr lang="en-US" sz="2000" dirty="0"/>
-          </a:p>
-        </p:txBody>
-      </p:sp>
       <p:pic>
         <p:nvPicPr>
           <p:cNvPr id="6146" name="Picture 2"/>
@@ -4583,6 +4609,52 @@
           <a:effectLst/>
         </p:spPr>
       </p:pic>
+      <p:sp>
+        <p:nvSpPr>
+          <p:cNvPr id="10" name="TextBox 9"/>
+          <p:cNvSpPr txBox="1"/>
+          <p:nvPr/>
+        </p:nvSpPr>
+        <p:spPr>
+          <a:xfrm>
+            <a:off x="0" y="6412468"/>
+            <a:ext cx="8979831" cy="369332"/>
+          </a:xfrm>
+          <a:prstGeom prst="rect">
+            <a:avLst/>
+          </a:prstGeom>
+          <a:noFill/>
+        </p:spPr>
+        <p:txBody>
+          <a:bodyPr wrap="none" rtlCol="0">
+            <a:spAutoFit/>
+          </a:bodyPr>
+          <a:lstStyle/>
+          <a:p>
+            <a:r>
+              <a:rPr lang="en-US" dirty="0" smtClean="0"/>
+              <a:t>CD11c     CD205     </a:t>
+            </a:r>
+            <a:r>
+              <a:rPr lang="en-US" dirty="0" smtClean="0"/>
+              <a:t>CD25     CD31      </a:t>
+            </a:r>
+            <a:r>
+              <a:rPr lang="en-US" dirty="0" smtClean="0"/>
+              <a:t>Claud34    Claud5     Foxp3     K14      K5      </a:t>
+            </a:r>
+            <a:r>
+              <a:rPr lang="en-US" dirty="0" err="1" smtClean="0"/>
+              <a:t>PDGFRb</a:t>
+            </a:r>
+            <a:r>
+              <a:rPr lang="en-US" dirty="0" smtClean="0"/>
+              <a:t>      UEA1</a:t>
+            </a:r>
+            <a:endParaRPr lang="en-US" dirty="0"/>
+          </a:p>
+        </p:txBody>
+      </p:sp>
     </p:spTree>
   </p:cSld>
   <p:clrMapOvr>
@@ -4707,44 +4779,6 @@
           <a:effectLst/>
         </p:spPr>
       </p:pic>
-      <p:sp>
-        <p:nvSpPr>
-          <p:cNvPr id="5" name="TextBox 4"/>
-          <p:cNvSpPr txBox="1"/>
-          <p:nvPr/>
-        </p:nvSpPr>
-        <p:spPr>
-          <a:xfrm>
-            <a:off x="-304800" y="0"/>
-            <a:ext cx="9144000" cy="400110"/>
-          </a:xfrm>
-          <a:prstGeom prst="rect">
-            <a:avLst/>
-          </a:prstGeom>
-          <a:noFill/>
-        </p:spPr>
-        <p:txBody>
-          <a:bodyPr wrap="square" rtlCol="0">
-            <a:spAutoFit/>
-          </a:bodyPr>
-          <a:lstStyle/>
-          <a:p>
-            <a:r>
-              <a:rPr lang="en-US" sz="2000" dirty="0" smtClean="0"/>
-              <a:t>       CD11c  CD25  CD31  CD205  Claud5  Claud34  Foxp3  K5  K14  </a:t>
-            </a:r>
-            <a:r>
-              <a:rPr lang="en-US" sz="2000" dirty="0" err="1" smtClean="0"/>
-              <a:t>PDGFRb</a:t>
-            </a:r>
-            <a:r>
-              <a:rPr lang="en-US" sz="2000" dirty="0" smtClean="0"/>
-              <a:t>  UEA1</a:t>
-            </a:r>
-            <a:endParaRPr lang="en-US" sz="2000" dirty="0"/>
-          </a:p>
-        </p:txBody>
-      </p:sp>
       <p:pic>
         <p:nvPicPr>
           <p:cNvPr id="6" name="Picture 2"/>
